--- a/교육자료/회사가_원하는_SW개발자_딥러닝개발자.pptx
+++ b/교육자료/회사가_원하는_SW개발자_딥러닝개발자.pptx
@@ -5,7 +5,7 @@
     <p:sldMasterId id="2147483660" r:id="rId1"/>
   </p:sldMasterIdLst>
   <p:notesMasterIdLst>
-    <p:notesMasterId r:id="rId40"/>
+    <p:notesMasterId r:id="rId41"/>
   </p:notesMasterIdLst>
   <p:sldIdLst>
     <p:sldId id="258" r:id="rId2"/>
@@ -40,12 +40,13 @@
     <p:sldId id="641" r:id="rId31"/>
     <p:sldId id="642" r:id="rId32"/>
     <p:sldId id="633" r:id="rId33"/>
-    <p:sldId id="632" r:id="rId34"/>
-    <p:sldId id="634" r:id="rId35"/>
-    <p:sldId id="635" r:id="rId36"/>
-    <p:sldId id="636" r:id="rId37"/>
-    <p:sldId id="638" r:id="rId38"/>
-    <p:sldId id="639" r:id="rId39"/>
+    <p:sldId id="643" r:id="rId34"/>
+    <p:sldId id="632" r:id="rId35"/>
+    <p:sldId id="634" r:id="rId36"/>
+    <p:sldId id="635" r:id="rId37"/>
+    <p:sldId id="636" r:id="rId38"/>
+    <p:sldId id="638" r:id="rId39"/>
+    <p:sldId id="639" r:id="rId40"/>
   </p:sldIdLst>
   <p:sldSz cx="9144000" cy="6858000" type="screen4x3"/>
   <p:notesSz cx="6858000" cy="9144000"/>
@@ -5138,16 +5139,6 @@
               </a:rPr>
               <a:t>,</a:t>
             </a:r>
-            <a:endParaRPr lang="en-US" altLang="ko-KR" sz="7200" kern="0" spc="-10">
-              <a:ln w="15875">
-                <a:solidFill>
-                  <a:srgbClr val="FFFFFF"/>
-                </a:solidFill>
-              </a:ln>
-              <a:solidFill>
-                <a:srgbClr val="FFFFFF"/>
-              </a:solidFill>
-            </a:endParaRPr>
           </a:p>
           <a:p>
             <a:pPr lvl="0">
@@ -5910,7 +5901,6 @@
               <a:rPr kumimoji="1" lang="ko-KR" altLang="en-US" sz="7200"/>
               <a:t>소통 아주 중요</a:t>
             </a:r>
-            <a:endParaRPr kumimoji="1" lang="ko-KR" altLang="en-US" sz="7200"/>
           </a:p>
         </p:txBody>
       </p:sp>
@@ -6787,7 +6777,6 @@
               <a:rPr kumimoji="1" lang="ko-KR" altLang="en-US" sz="7200"/>
               <a:t>역량과 소통</a:t>
             </a:r>
-            <a:endParaRPr kumimoji="1" lang="ko-KR" altLang="en-US" sz="7200"/>
           </a:p>
         </p:txBody>
       </p:sp>
@@ -7003,7 +6992,6 @@
               <a:rPr kumimoji="1" lang="ko-KR" altLang="en-US" sz="7200"/>
               <a:t>거짓말은 절대 금지</a:t>
             </a:r>
-            <a:endParaRPr kumimoji="1" lang="ko-KR" altLang="en-US" sz="7200"/>
           </a:p>
         </p:txBody>
       </p:sp>
@@ -7092,7 +7080,6 @@
               <a:rPr kumimoji="1" lang="ko-KR" altLang="en-US" sz="7200"/>
               <a:t>꾸준한 자기 개발</a:t>
             </a:r>
-            <a:endParaRPr kumimoji="1" lang="ko-KR" altLang="en-US" sz="7200"/>
           </a:p>
         </p:txBody>
       </p:sp>
@@ -7661,11 +7648,7 @@
             </a:br>
             <a:r>
               <a:rPr kumimoji="1" lang="ko-KR" altLang="en-US" sz="3600" dirty="0"/>
-              <a:t>불필요한 면접 줄이 것이 목적</a:t>
-            </a:r>
-            <a:r>
-              <a:rPr kumimoji="1" lang="ko-KR" altLang="en-US" sz="3600" dirty="0"/>
-              <a:t> </a:t>
+              <a:t>불필요한 면접 줄이 것이 목적 </a:t>
             </a:r>
             <a:r>
               <a:rPr kumimoji="1" lang="en-US" altLang="ko-KR" sz="3600" dirty="0"/>
@@ -7884,11 +7867,7 @@
             </a:pPr>
             <a:r>
               <a:rPr kumimoji="1" lang="ko-KR" altLang="en-US" sz="7200"/>
-              <a:t>소통</a:t>
-            </a:r>
-            <a:r>
-              <a:rPr kumimoji="1" lang="ko-KR" altLang="en-US" sz="7200"/>
-              <a:t> 능력</a:t>
+              <a:t>소통 능력</a:t>
             </a:r>
             <a:r>
               <a:rPr kumimoji="1" lang="en-US" altLang="ko-KR" sz="2400" dirty="0"/>
@@ -8608,7 +8587,6 @@
               <a:rPr kumimoji="1" lang="ko-KR" altLang="en-US" sz="7200"/>
               <a:t>역량과 소통</a:t>
             </a:r>
-            <a:endParaRPr kumimoji="1" lang="ko-KR" altLang="en-US" sz="7200"/>
           </a:p>
         </p:txBody>
       </p:sp>
@@ -9354,11 +9332,7 @@
             </a:pPr>
             <a:r>
               <a:rPr kumimoji="1" lang="ko-KR" altLang="en-US" sz="7200"/>
-              <a:t>방법도</a:t>
-            </a:r>
-            <a:r>
-              <a:rPr kumimoji="1" lang="ko-KR" altLang="en-US" sz="7200"/>
-              <a:t> 있고</a:t>
+              <a:t>방법도 있고</a:t>
             </a:r>
             <a:r>
               <a:rPr kumimoji="1" lang="en-US" altLang="ko-KR" sz="7200"/>
@@ -9371,7 +9345,6 @@
               <a:rPr kumimoji="1" lang="ko-KR" altLang="en-US" sz="7200"/>
               <a:t>코드도 있다</a:t>
             </a:r>
-            <a:endParaRPr kumimoji="1" lang="ko-KR" altLang="en-US" sz="7200"/>
           </a:p>
         </p:txBody>
       </p:sp>
@@ -9558,31 +9531,8 @@
             </a:pPr>
             <a:r>
               <a:rPr kumimoji="1" lang="ko-KR" altLang="en-US" sz="7200"/>
-              <a:t>실제 구현 중요</a:t>
-            </a:r>
-            <a:r>
-              <a:rPr kumimoji="1" lang="en-US" altLang="ko-KR" sz="2400" dirty="0"/>
-              <a:t/>
-            </a:r>
-            <a:br>
-              <a:rPr kumimoji="1" lang="en-US" altLang="ko-KR" sz="2400" dirty="0"/>
-            </a:br>
-            <a:r>
-              <a:rPr kumimoji="1" lang="ko-KR" altLang="en-US" sz="3600" dirty="0"/>
-              <a:t>실무가 아니라면 공부</a:t>
-            </a:r>
-            <a:r>
-              <a:rPr kumimoji="1" lang="en-US" altLang="ko-KR" sz="3600" dirty="0"/>
-              <a:t>,</a:t>
-            </a:r>
-            <a:br>
-              <a:rPr kumimoji="1" lang="en-US" altLang="ko-KR" sz="3600" dirty="0"/>
-            </a:br>
-            <a:r>
-              <a:rPr kumimoji="1" lang="ko-KR" altLang="en-US" sz="3600" dirty="0"/>
-              <a:t>하지만 실제 구현 경험 중요</a:t>
-            </a:r>
-            <a:endParaRPr kumimoji="1" lang="ko-KR" altLang="en-US" sz="7200"/>
+              <a:t>딥러닝 개발 분야는 시작도 안했다</a:t>
+            </a:r>
           </a:p>
         </p:txBody>
       </p:sp>
@@ -9608,7 +9558,7 @@
     </p:spTree>
     <p:extLst>
       <p:ext uri="{BB962C8B-B14F-4D97-AF65-F5344CB8AC3E}">
-        <p14:creationId xmlns:p14="http://schemas.microsoft.com/office/powerpoint/2010/main" val="463269640"/>
+        <p14:creationId xmlns:p14="http://schemas.microsoft.com/office/powerpoint/2010/main" val="1565559447"/>
       </p:ext>
     </p:extLst>
   </p:cSld>
@@ -9669,11 +9619,7 @@
             </a:pPr>
             <a:r>
               <a:rPr kumimoji="1" lang="ko-KR" altLang="en-US" sz="7200"/>
-              <a:t>관리자</a:t>
-            </a:r>
-            <a:r>
-              <a:rPr kumimoji="1" lang="ko-KR" altLang="en-US" sz="7200"/>
-              <a:t>도 모른다</a:t>
+              <a:t>실제 구현 중요</a:t>
             </a:r>
             <a:r>
               <a:rPr kumimoji="1" lang="en-US" altLang="ko-KR" sz="2400" dirty="0"/>
@@ -9684,7 +9630,18 @@
             </a:br>
             <a:r>
               <a:rPr kumimoji="1" lang="ko-KR" altLang="en-US" sz="3600" dirty="0"/>
-              <a:t>새로운 분야라</a:t>
+              <a:t>실무가 아니라면 공부</a:t>
+            </a:r>
+            <a:r>
+              <a:rPr kumimoji="1" lang="en-US" altLang="ko-KR" sz="3600" dirty="0"/>
+              <a:t>,</a:t>
+            </a:r>
+            <a:br>
+              <a:rPr kumimoji="1" lang="en-US" altLang="ko-KR" sz="3600" dirty="0"/>
+            </a:br>
+            <a:r>
+              <a:rPr kumimoji="1" lang="ko-KR" altLang="en-US" sz="3600" dirty="0"/>
+              <a:t>하지만 실제 구현 경험 중요</a:t>
             </a:r>
             <a:endParaRPr kumimoji="1" lang="ko-KR" altLang="en-US" sz="7200"/>
           </a:p>
@@ -9712,7 +9669,7 @@
     </p:spTree>
     <p:extLst>
       <p:ext uri="{BB962C8B-B14F-4D97-AF65-F5344CB8AC3E}">
-        <p14:creationId xmlns:p14="http://schemas.microsoft.com/office/powerpoint/2010/main" val="607803116"/>
+        <p14:creationId xmlns:p14="http://schemas.microsoft.com/office/powerpoint/2010/main" val="463269640"/>
       </p:ext>
     </p:extLst>
   </p:cSld>
@@ -9773,18 +9730,18 @@
             </a:pPr>
             <a:r>
               <a:rPr kumimoji="1" lang="ko-KR" altLang="en-US" sz="7200"/>
-              <a:t>결과 </a:t>
-            </a:r>
-            <a:r>
-              <a:rPr kumimoji="1" lang="en-US" altLang="ko-KR" sz="7200"/>
+              <a:t>관리자도 모른다</a:t>
+            </a:r>
+            <a:r>
+              <a:rPr kumimoji="1" lang="en-US" altLang="ko-KR" sz="2400" dirty="0"/>
               <a:t/>
             </a:r>
             <a:br>
-              <a:rPr kumimoji="1" lang="en-US" altLang="ko-KR" sz="7200"/>
+              <a:rPr kumimoji="1" lang="en-US" altLang="ko-KR" sz="2400" dirty="0"/>
             </a:br>
             <a:r>
-              <a:rPr kumimoji="1" lang="ko-KR" altLang="en-US" sz="7200"/>
-              <a:t>보여줄 수 있어야</a:t>
+              <a:rPr kumimoji="1" lang="ko-KR" altLang="en-US" sz="3600" dirty="0"/>
+              <a:t>새로운 분야라</a:t>
             </a:r>
             <a:endParaRPr kumimoji="1" lang="ko-KR" altLang="en-US" sz="7200"/>
           </a:p>
@@ -9812,7 +9769,7 @@
     </p:spTree>
     <p:extLst>
       <p:ext uri="{BB962C8B-B14F-4D97-AF65-F5344CB8AC3E}">
-        <p14:creationId xmlns:p14="http://schemas.microsoft.com/office/powerpoint/2010/main" val="541150571"/>
+        <p14:creationId xmlns:p14="http://schemas.microsoft.com/office/powerpoint/2010/main" val="607803116"/>
       </p:ext>
     </p:extLst>
   </p:cSld>
@@ -9873,7 +9830,7 @@
             </a:pPr>
             <a:r>
               <a:rPr kumimoji="1" lang="ko-KR" altLang="en-US" sz="7200"/>
-              <a:t>의견 제시 </a:t>
+              <a:t>결과 </a:t>
             </a:r>
             <a:r>
               <a:rPr kumimoji="1" lang="en-US" altLang="ko-KR" sz="7200"/>
@@ -9884,9 +9841,8 @@
             </a:br>
             <a:r>
               <a:rPr kumimoji="1" lang="ko-KR" altLang="en-US" sz="7200"/>
-              <a:t>할 수 있어야</a:t>
-            </a:r>
-            <a:endParaRPr kumimoji="1" lang="ko-KR" altLang="en-US" sz="7200"/>
+              <a:t>보여줄 수 있어야</a:t>
+            </a:r>
           </a:p>
         </p:txBody>
       </p:sp>
@@ -9912,7 +9868,7 @@
     </p:spTree>
     <p:extLst>
       <p:ext uri="{BB962C8B-B14F-4D97-AF65-F5344CB8AC3E}">
-        <p14:creationId xmlns:p14="http://schemas.microsoft.com/office/powerpoint/2010/main" val="534651875"/>
+        <p14:creationId xmlns:p14="http://schemas.microsoft.com/office/powerpoint/2010/main" val="541150571"/>
       </p:ext>
     </p:extLst>
   </p:cSld>
@@ -9973,7 +9929,7 @@
             </a:pPr>
             <a:r>
               <a:rPr kumimoji="1" lang="ko-KR" altLang="en-US" sz="7200"/>
-              <a:t>환경 구축 </a:t>
+              <a:t>의견 제시 </a:t>
             </a:r>
             <a:r>
               <a:rPr kumimoji="1" lang="en-US" altLang="ko-KR" sz="7200"/>
@@ -9986,7 +9942,105 @@
               <a:rPr kumimoji="1" lang="ko-KR" altLang="en-US" sz="7200"/>
               <a:t>할 수 있어야</a:t>
             </a:r>
-            <a:endParaRPr kumimoji="1" lang="ko-KR" altLang="en-US" sz="7200"/>
+          </a:p>
+        </p:txBody>
+      </p:sp>
+      <p:sp>
+        <p:nvSpPr>
+          <p:cNvPr id="4" name="내용 개체 틀 3"/>
+          <p:cNvSpPr>
+            <a:spLocks noGrp="1"/>
+          </p:cNvSpPr>
+          <p:nvPr>
+            <p:ph idx="10"/>
+          </p:nvPr>
+        </p:nvSpPr>
+        <p:spPr/>
+        <p:txBody>
+          <a:bodyPr/>
+          <a:lstStyle/>
+          <a:p>
+            <a:endParaRPr kumimoji="1" lang="ko-KR" altLang="en-US"/>
+          </a:p>
+        </p:txBody>
+      </p:sp>
+    </p:spTree>
+    <p:extLst>
+      <p:ext uri="{BB962C8B-B14F-4D97-AF65-F5344CB8AC3E}">
+        <p14:creationId xmlns:p14="http://schemas.microsoft.com/office/powerpoint/2010/main" val="534651875"/>
+      </p:ext>
+    </p:extLst>
+  </p:cSld>
+  <p:clrMapOvr>
+    <a:masterClrMapping/>
+  </p:clrMapOvr>
+  <p:timing>
+    <p:tnLst>
+      <p:par>
+        <p:cTn id="1" dur="indefinite" restart="never" nodeType="tmRoot"/>
+      </p:par>
+    </p:tnLst>
+  </p:timing>
+</p:sld>
+</file>
+
+<file path=ppt/slides/slide38.xml><?xml version="1.0" encoding="utf-8"?>
+<p:sld xmlns:a="http://schemas.openxmlformats.org/drawingml/2006/main" xmlns:r="http://schemas.openxmlformats.org/officeDocument/2006/relationships" xmlns:p="http://schemas.openxmlformats.org/presentationml/2006/main">
+  <p:cSld>
+    <p:spTree>
+      <p:nvGrpSpPr>
+        <p:cNvPr id="1" name=""/>
+        <p:cNvGrpSpPr/>
+        <p:nvPr/>
+      </p:nvGrpSpPr>
+      <p:grpSpPr>
+        <a:xfrm>
+          <a:off x="0" y="0"/>
+          <a:ext cx="0" cy="0"/>
+          <a:chOff x="0" y="0"/>
+          <a:chExt cx="0" cy="0"/>
+        </a:xfrm>
+      </p:grpSpPr>
+      <p:sp>
+        <p:nvSpPr>
+          <p:cNvPr id="3" name="제목 2"/>
+          <p:cNvSpPr>
+            <a:spLocks noGrp="1"/>
+          </p:cNvSpPr>
+          <p:nvPr>
+            <p:ph type="title"/>
+          </p:nvPr>
+        </p:nvSpPr>
+        <p:spPr>
+          <a:xfrm>
+            <a:off x="628650" y="839680"/>
+            <a:ext cx="7886700" cy="4403652"/>
+          </a:xfrm>
+        </p:spPr>
+        <p:txBody>
+          <a:bodyPr/>
+          <a:lstStyle/>
+          <a:p>
+            <a:pPr algn="ctr">
+              <a:lnSpc>
+                <a:spcPct val="150000"/>
+              </a:lnSpc>
+            </a:pPr>
+            <a:r>
+              <a:rPr kumimoji="1" lang="ko-KR" altLang="en-US" sz="7200"/>
+              <a:t>환경 구축 </a:t>
+            </a:r>
+            <a:r>
+              <a:rPr kumimoji="1" lang="en-US" altLang="ko-KR" sz="7200"/>
+              <a:t/>
+            </a:r>
+            <a:br>
+              <a:rPr kumimoji="1" lang="en-US" altLang="ko-KR" sz="7200"/>
+            </a:br>
+            <a:r>
+              <a:rPr kumimoji="1" lang="ko-KR" altLang="en-US" sz="7200"/>
+              <a:t>할 수 있어야</a:t>
+            </a:r>
           </a:p>
         </p:txBody>
       </p:sp>
@@ -10029,7 +10083,7 @@
 </p:sld>
 </file>
 
-<file path=ppt/slides/slide38.xml><?xml version="1.0" encoding="utf-8"?>
+<file path=ppt/slides/slide39.xml><?xml version="1.0" encoding="utf-8"?>
 <p:sld xmlns:a="http://schemas.openxmlformats.org/drawingml/2006/main" xmlns:r="http://schemas.openxmlformats.org/officeDocument/2006/relationships" xmlns:p="http://schemas.openxmlformats.org/presentationml/2006/main">
   <p:cSld>
     <p:spTree>
@@ -10221,11 +10275,7 @@
             </a:pPr>
             <a:r>
               <a:rPr kumimoji="1" lang="ko-KR" altLang="en-US" sz="7200"/>
-              <a:t>당장</a:t>
-            </a:r>
-            <a:r>
-              <a:rPr kumimoji="1" lang="ko-KR" altLang="en-US" sz="7200"/>
-              <a:t> 혼자서</a:t>
+              <a:t>당장 혼자서</a:t>
             </a:r>
             <a:r>
               <a:rPr kumimoji="1" lang="en-US" altLang="ko-KR" sz="7200"/>
@@ -10238,7 +10288,6 @@
               <a:rPr kumimoji="1" lang="ko-KR" altLang="en-US" sz="7200"/>
               <a:t>진행 할 수 있는</a:t>
             </a:r>
-            <a:endParaRPr kumimoji="1" lang="ko-KR" altLang="en-US" sz="7200"/>
           </a:p>
         </p:txBody>
       </p:sp>
@@ -10623,7 +10672,6 @@
               <a:rPr kumimoji="1" lang="ko-KR" altLang="en-US" sz="7200"/>
               <a:t>코딩은 당연</a:t>
             </a:r>
-            <a:endParaRPr kumimoji="1" lang="ko-KR" altLang="en-US" sz="7200"/>
           </a:p>
         </p:txBody>
       </p:sp>
